--- a/Cisc642_Adaboost.pptx
+++ b/Cisc642_Adaboost.pptx
@@ -6,9 +6,9 @@
   </p:sldMasterIdLst>
   <p:sldIdLst>
     <p:sldId id="256" r:id="rId2"/>
-    <p:sldId id="261" r:id="rId3"/>
-    <p:sldId id="257" r:id="rId4"/>
-    <p:sldId id="258" r:id="rId5"/>
+    <p:sldId id="257" r:id="rId3"/>
+    <p:sldId id="258" r:id="rId4"/>
+    <p:sldId id="261" r:id="rId5"/>
     <p:sldId id="259" r:id="rId6"/>
     <p:sldId id="260" r:id="rId7"/>
     <p:sldId id="262" r:id="rId8"/>
@@ -115,6 +115,11 @@
       </a:defRPr>
     </a:lvl9pPr>
   </p:defaultTextStyle>
+  <p:extLst>
+    <p:ext uri="{EFAFB233-063F-42B5-8137-9DF3F51BA10A}">
+      <p15:sldGuideLst xmlns:p15="http://schemas.microsoft.com/office/powerpoint/2012/main"/>
+    </p:ext>
+  </p:extLst>
 </p:presentation>
 </file>
 
@@ -7810,7 +7815,7 @@
         </p:blipFill>
         <p:spPr>
           <a:xfrm>
-            <a:off x="731520" y="2280240"/>
+            <a:off x="438353" y="2238860"/>
             <a:ext cx="3650400" cy="2748960"/>
           </a:xfrm>
           <a:prstGeom prst="rect">
@@ -7833,7 +7838,7 @@
         </p:blipFill>
         <p:spPr>
           <a:xfrm>
-            <a:off x="6129360" y="2309400"/>
+            <a:off x="4370362" y="2245340"/>
             <a:ext cx="3654720" cy="2742480"/>
           </a:xfrm>
           <a:prstGeom prst="rect">
@@ -7852,7 +7857,7 @@
         </p:nvSpPr>
         <p:spPr>
           <a:xfrm>
-            <a:off x="745920" y="5303520"/>
+            <a:off x="443416" y="5310500"/>
             <a:ext cx="3643200" cy="977760"/>
           </a:xfrm>
           <a:prstGeom prst="rect">
@@ -7940,7 +7945,7 @@
         </p:nvSpPr>
         <p:spPr>
           <a:xfrm>
-            <a:off x="6126480" y="5212080"/>
+            <a:off x="4199958" y="5310500"/>
             <a:ext cx="3643200" cy="977760"/>
           </a:xfrm>
           <a:prstGeom prst="rect">
@@ -8020,6 +8025,67 @@
           </a:p>
         </p:txBody>
       </p:sp>
+      <p:sp>
+        <p:nvSpPr>
+          <p:cNvPr id="8" name="TextBox 7"/>
+          <p:cNvSpPr txBox="1"/>
+          <p:nvPr/>
+        </p:nvSpPr>
+        <p:spPr>
+          <a:xfrm>
+            <a:off x="7553653" y="5272597"/>
+            <a:ext cx="4812631" cy="1015663"/>
+          </a:xfrm>
+          <a:prstGeom prst="rect">
+            <a:avLst/>
+          </a:prstGeom>
+          <a:noFill/>
+        </p:spPr>
+        <p:txBody>
+          <a:bodyPr wrap="square" rtlCol="0">
+            <a:spAutoFit/>
+          </a:bodyPr>
+          <a:lstStyle/>
+          <a:p>
+            <a:pPr algn="ctr"/>
+            <a:r>
+              <a:rPr lang="en-US" sz="3000" dirty="0"/>
+              <a:t>Number of Heads:</a:t>
+            </a:r>
+          </a:p>
+          <a:p>
+            <a:pPr algn="ctr"/>
+            <a:r>
+              <a:rPr lang="en-US" sz="3000" dirty="0"/>
+              <a:t>494</a:t>
+            </a:r>
+          </a:p>
+        </p:txBody>
+      </p:sp>
+      <p:pic>
+        <p:nvPicPr>
+          <p:cNvPr id="5" name="Picture 4"/>
+          <p:cNvPicPr>
+            <a:picLocks noChangeAspect="1"/>
+          </p:cNvPicPr>
+          <p:nvPr/>
+        </p:nvPicPr>
+        <p:blipFill>
+          <a:blip r:embed="rId4"/>
+          <a:stretch>
+            <a:fillRect/>
+          </a:stretch>
+        </p:blipFill>
+        <p:spPr>
+          <a:xfrm>
+            <a:off x="8257521" y="2245340"/>
+            <a:ext cx="3673450" cy="2755088"/>
+          </a:xfrm>
+          <a:prstGeom prst="rect">
+            <a:avLst/>
+          </a:prstGeom>
+        </p:spPr>
+      </p:pic>
     </p:spTree>
     <p:extLst>
       <p:ext uri="{BB962C8B-B14F-4D97-AF65-F5344CB8AC3E}">
@@ -8444,7 +8510,29 @@
           <a:p>
             <a:r>
               <a:rPr lang="en-US" dirty="0"/>
-              <a:t>The </a:t>
+              <a:t>Process</a:t>
+            </a:r>
+          </a:p>
+        </p:txBody>
+      </p:sp>
+      <p:sp>
+        <p:nvSpPr>
+          <p:cNvPr id="3" name="Content Placeholder 2"/>
+          <p:cNvSpPr>
+            <a:spLocks noGrp="1"/>
+          </p:cNvSpPr>
+          <p:nvPr>
+            <p:ph idx="1"/>
+          </p:nvPr>
+        </p:nvSpPr>
+        <p:spPr/>
+        <p:txBody>
+          <a:bodyPr/>
+          <a:lstStyle/>
+          <a:p>
+            <a:r>
+              <a:rPr lang="en-US" dirty="0"/>
+              <a:t>Capture candidates to run through </a:t>
             </a:r>
             <a:r>
               <a:rPr lang="en-US" dirty="0" err="1"/>
@@ -8452,70 +8540,49 @@
             </a:r>
             <a:r>
               <a:rPr lang="en-US" dirty="0"/>
-              <a:t> Algorithm</a:t>
-            </a:r>
-          </a:p>
-        </p:txBody>
-      </p:sp>
-      <p:sp>
-        <p:nvSpPr>
-          <p:cNvPr id="3" name="TextBox 2"/>
-          <p:cNvSpPr txBox="1"/>
-          <p:nvPr/>
-        </p:nvSpPr>
-        <p:spPr>
-          <a:xfrm>
-            <a:off x="769257" y="2155371"/>
-            <a:ext cx="9524925" cy="2862322"/>
-          </a:xfrm>
-          <a:prstGeom prst="rect">
-            <a:avLst/>
-          </a:prstGeom>
-          <a:noFill/>
-        </p:spPr>
-        <p:txBody>
-          <a:bodyPr wrap="square" rtlCol="0">
-            <a:spAutoFit/>
-          </a:bodyPr>
-          <a:lstStyle/>
-          <a:p>
-            <a:pPr marL="285750" indent="-285750">
-              <a:buFont typeface="Arial" panose="020B0604020202020204" pitchFamily="34" charset="0"/>
-              <a:buChar char="•"/>
-            </a:pPr>
-            <a:r>
-              <a:rPr lang="en-US" sz="3000" dirty="0"/>
-              <a:t>Machine learning Classification algorithm</a:t>
-            </a:r>
-          </a:p>
-          <a:p>
-            <a:pPr marL="285750" indent="-285750">
-              <a:buFont typeface="Arial" panose="020B0604020202020204" pitchFamily="34" charset="0"/>
-              <a:buChar char="•"/>
-            </a:pPr>
-            <a:r>
-              <a:rPr lang="en-US" sz="3000" dirty="0"/>
-              <a:t>Combines many weak classifiers into an ensemble</a:t>
-            </a:r>
-          </a:p>
-          <a:p>
-            <a:pPr marL="285750" indent="-285750">
-              <a:buFont typeface="Arial" panose="020B0604020202020204" pitchFamily="34" charset="0"/>
-              <a:buChar char="•"/>
-            </a:pPr>
-            <a:r>
-              <a:rPr lang="en-US" sz="3000" dirty="0"/>
-              <a:t>Each classifiers impact is weighted based off correctness</a:t>
-            </a:r>
-          </a:p>
-          <a:p>
-            <a:pPr marL="285750" indent="-285750">
-              <a:buFont typeface="Arial" panose="020B0604020202020204" pitchFamily="34" charset="0"/>
-              <a:buChar char="•"/>
-            </a:pPr>
-            <a:r>
-              <a:rPr lang="en-US" sz="3000" dirty="0"/>
-              <a:t>Classifiers are created based off feature space results</a:t>
+              <a:t> algorithm.</a:t>
+            </a:r>
+          </a:p>
+          <a:p>
+            <a:r>
+              <a:rPr lang="en-US" dirty="0"/>
+              <a:t>Use our training data to configure </a:t>
+            </a:r>
+            <a:r>
+              <a:rPr lang="en-US" dirty="0" err="1"/>
+              <a:t>Adaboost</a:t>
+            </a:r>
+            <a:r>
+              <a:rPr lang="en-US" dirty="0"/>
+              <a:t> with images containing heads and images without heads.</a:t>
+            </a:r>
+          </a:p>
+          <a:p>
+            <a:r>
+              <a:rPr lang="en-US" dirty="0"/>
+              <a:t>Create arbitrary thresholds for </a:t>
+            </a:r>
+            <a:r>
+              <a:rPr lang="en-US" dirty="0" err="1"/>
+              <a:t>Adaboost</a:t>
+            </a:r>
+            <a:r>
+              <a:rPr lang="en-US" dirty="0"/>
+              <a:t> to capture as many true positives as possible.</a:t>
+            </a:r>
+          </a:p>
+          <a:p>
+            <a:r>
+              <a:rPr lang="en-US" dirty="0"/>
+              <a:t>Apply our trained </a:t>
+            </a:r>
+            <a:r>
+              <a:rPr lang="en-US" dirty="0" err="1"/>
+              <a:t>Adaboost</a:t>
+            </a:r>
+            <a:r>
+              <a:rPr lang="en-US" dirty="0"/>
+              <a:t> algorithm to our candidates to classify them as heads or non-heads.</a:t>
             </a:r>
           </a:p>
         </p:txBody>
@@ -8523,7 +8590,7 @@
     </p:spTree>
     <p:extLst>
       <p:ext uri="{BB962C8B-B14F-4D97-AF65-F5344CB8AC3E}">
-        <p14:creationId xmlns:p14="http://schemas.microsoft.com/office/powerpoint/2010/main" val="2794941942"/>
+        <p14:creationId xmlns:p14="http://schemas.microsoft.com/office/powerpoint/2010/main" val="3177609045"/>
       </p:ext>
     </p:extLst>
   </p:cSld>
@@ -8567,87 +8634,63 @@
           <a:p>
             <a:r>
               <a:rPr lang="en-US" dirty="0"/>
-              <a:t>Process</a:t>
-            </a:r>
-          </a:p>
-        </p:txBody>
-      </p:sp>
-      <p:sp>
-        <p:nvSpPr>
-          <p:cNvPr id="3" name="Content Placeholder 2"/>
-          <p:cNvSpPr>
-            <a:spLocks noGrp="1"/>
-          </p:cNvSpPr>
-          <p:nvPr>
-            <p:ph idx="1"/>
-          </p:nvPr>
-        </p:nvSpPr>
-        <p:spPr/>
-        <p:txBody>
-          <a:bodyPr/>
-          <a:lstStyle/>
-          <a:p>
-            <a:r>
-              <a:rPr lang="en-US" dirty="0"/>
-              <a:t>Capture candidates to run through </a:t>
-            </a:r>
-            <a:r>
-              <a:rPr lang="en-US" dirty="0" err="1"/>
-              <a:t>Adaboost</a:t>
-            </a:r>
-            <a:r>
-              <a:rPr lang="en-US" dirty="0"/>
-              <a:t> algorithm.</a:t>
-            </a:r>
-          </a:p>
-          <a:p>
-            <a:r>
-              <a:rPr lang="en-US" dirty="0"/>
-              <a:t>Use our training data to configure </a:t>
-            </a:r>
-            <a:r>
-              <a:rPr lang="en-US" dirty="0" err="1"/>
-              <a:t>Adaboost</a:t>
-            </a:r>
-            <a:r>
-              <a:rPr lang="en-US" dirty="0"/>
-              <a:t> with images containing heads and images without heads.</a:t>
-            </a:r>
-          </a:p>
-          <a:p>
-            <a:r>
-              <a:rPr lang="en-US" dirty="0"/>
-              <a:t>Create arbitrary thresholds for </a:t>
-            </a:r>
-            <a:r>
-              <a:rPr lang="en-US" dirty="0" err="1"/>
-              <a:t>Adaboost</a:t>
-            </a:r>
-            <a:r>
-              <a:rPr lang="en-US" dirty="0"/>
-              <a:t> to capture as many true positives as possible.</a:t>
-            </a:r>
-          </a:p>
-          <a:p>
-            <a:r>
-              <a:rPr lang="en-US" dirty="0"/>
-              <a:t>Apply our trained </a:t>
-            </a:r>
-            <a:r>
-              <a:rPr lang="en-US" dirty="0" err="1"/>
-              <a:t>Adaboost</a:t>
-            </a:r>
-            <a:r>
-              <a:rPr lang="en-US" dirty="0"/>
-              <a:t> algorithm to our candidates to classify them as heads or non-heads.</a:t>
-            </a:r>
-          </a:p>
-        </p:txBody>
-      </p:sp>
+              <a:t>Candidate selection</a:t>
+            </a:r>
+          </a:p>
+        </p:txBody>
+      </p:sp>
+      <p:pic>
+        <p:nvPicPr>
+          <p:cNvPr id="3" name="Picture 2"/>
+          <p:cNvPicPr>
+            <a:picLocks noChangeAspect="1"/>
+          </p:cNvPicPr>
+          <p:nvPr/>
+        </p:nvPicPr>
+        <p:blipFill>
+          <a:blip r:embed="rId2"/>
+          <a:stretch>
+            <a:fillRect/>
+          </a:stretch>
+        </p:blipFill>
+        <p:spPr>
+          <a:xfrm rot="5400000">
+            <a:off x="1782479" y="2702249"/>
+            <a:ext cx="4510800" cy="3383100"/>
+          </a:xfrm>
+          <a:prstGeom prst="rect">
+            <a:avLst/>
+          </a:prstGeom>
+        </p:spPr>
+      </p:pic>
+      <p:pic>
+        <p:nvPicPr>
+          <p:cNvPr id="5" name="Picture 4"/>
+          <p:cNvPicPr>
+            <a:picLocks noChangeAspect="1"/>
+          </p:cNvPicPr>
+          <p:nvPr/>
+        </p:nvPicPr>
+        <p:blipFill>
+          <a:blip r:embed="rId3"/>
+          <a:stretch>
+            <a:fillRect/>
+          </a:stretch>
+        </p:blipFill>
+        <p:spPr>
+          <a:xfrm>
+            <a:off x="6198669" y="2138399"/>
+            <a:ext cx="3382220" cy="4518012"/>
+          </a:xfrm>
+          <a:prstGeom prst="rect">
+            <a:avLst/>
+          </a:prstGeom>
+        </p:spPr>
+      </p:pic>
     </p:spTree>
     <p:extLst>
       <p:ext uri="{BB962C8B-B14F-4D97-AF65-F5344CB8AC3E}">
-        <p14:creationId xmlns:p14="http://schemas.microsoft.com/office/powerpoint/2010/main" val="3177609045"/>
+        <p14:creationId xmlns:p14="http://schemas.microsoft.com/office/powerpoint/2010/main" val="320268676"/>
       </p:ext>
     </p:extLst>
   </p:cSld>
@@ -8691,63 +8734,86 @@
           <a:p>
             <a:r>
               <a:rPr lang="en-US" dirty="0"/>
-              <a:t>Candidate selection</a:t>
-            </a:r>
-          </a:p>
-        </p:txBody>
-      </p:sp>
-      <p:pic>
-        <p:nvPicPr>
-          <p:cNvPr id="3" name="Picture 2"/>
-          <p:cNvPicPr>
-            <a:picLocks noChangeAspect="1"/>
-          </p:cNvPicPr>
+              <a:t>The </a:t>
+            </a:r>
+            <a:r>
+              <a:rPr lang="en-US" dirty="0" err="1"/>
+              <a:t>Adaboost</a:t>
+            </a:r>
+            <a:r>
+              <a:rPr lang="en-US" dirty="0"/>
+              <a:t> Algorithm</a:t>
+            </a:r>
+          </a:p>
+        </p:txBody>
+      </p:sp>
+      <p:sp>
+        <p:nvSpPr>
+          <p:cNvPr id="3" name="TextBox 2"/>
+          <p:cNvSpPr txBox="1"/>
           <p:nvPr/>
-        </p:nvPicPr>
-        <p:blipFill>
-          <a:blip r:embed="rId2"/>
-          <a:stretch>
-            <a:fillRect/>
-          </a:stretch>
-        </p:blipFill>
-        <p:spPr>
-          <a:xfrm rot="5400000">
-            <a:off x="1782479" y="2702249"/>
-            <a:ext cx="4510800" cy="3383100"/>
+        </p:nvSpPr>
+        <p:spPr>
+          <a:xfrm>
+            <a:off x="769257" y="2155371"/>
+            <a:ext cx="9524925" cy="2862322"/>
           </a:xfrm>
           <a:prstGeom prst="rect">
             <a:avLst/>
           </a:prstGeom>
-        </p:spPr>
-      </p:pic>
-      <p:pic>
-        <p:nvPicPr>
-          <p:cNvPr id="5" name="Picture 4"/>
-          <p:cNvPicPr>
-            <a:picLocks noChangeAspect="1"/>
-          </p:cNvPicPr>
-          <p:nvPr/>
-        </p:nvPicPr>
-        <p:blipFill>
-          <a:blip r:embed="rId3"/>
-          <a:stretch>
-            <a:fillRect/>
-          </a:stretch>
-        </p:blipFill>
-        <p:spPr>
-          <a:xfrm>
-            <a:off x="6198669" y="2138399"/>
-            <a:ext cx="3382220" cy="4518012"/>
-          </a:xfrm>
-          <a:prstGeom prst="rect">
-            <a:avLst/>
-          </a:prstGeom>
-        </p:spPr>
-      </p:pic>
+          <a:noFill/>
+        </p:spPr>
+        <p:txBody>
+          <a:bodyPr wrap="square" rtlCol="0">
+            <a:spAutoFit/>
+          </a:bodyPr>
+          <a:lstStyle/>
+          <a:p>
+            <a:pPr marL="285750" indent="-285750">
+              <a:buFont typeface="Arial" panose="020B0604020202020204" pitchFamily="34" charset="0"/>
+              <a:buChar char="•"/>
+            </a:pPr>
+            <a:r>
+              <a:rPr lang="en-US" sz="3000" dirty="0"/>
+              <a:t>Machine learning Classification algorithm</a:t>
+            </a:r>
+          </a:p>
+          <a:p>
+            <a:pPr marL="285750" indent="-285750">
+              <a:buFont typeface="Arial" panose="020B0604020202020204" pitchFamily="34" charset="0"/>
+              <a:buChar char="•"/>
+            </a:pPr>
+            <a:r>
+              <a:rPr lang="en-US" sz="3000" dirty="0"/>
+              <a:t>Combines many weak classifiers into an ensemble</a:t>
+            </a:r>
+          </a:p>
+          <a:p>
+            <a:pPr marL="285750" indent="-285750">
+              <a:buFont typeface="Arial" panose="020B0604020202020204" pitchFamily="34" charset="0"/>
+              <a:buChar char="•"/>
+            </a:pPr>
+            <a:r>
+              <a:rPr lang="en-US" sz="3000" dirty="0"/>
+              <a:t>Each classifiers impact is weighted based off correctness</a:t>
+            </a:r>
+          </a:p>
+          <a:p>
+            <a:pPr marL="285750" indent="-285750">
+              <a:buFont typeface="Arial" panose="020B0604020202020204" pitchFamily="34" charset="0"/>
+              <a:buChar char="•"/>
+            </a:pPr>
+            <a:r>
+              <a:rPr lang="en-US" sz="3000" dirty="0"/>
+              <a:t>Classifiers are created based off feature space results</a:t>
+            </a:r>
+          </a:p>
+        </p:txBody>
+      </p:sp>
     </p:spTree>
     <p:extLst>
       <p:ext uri="{BB962C8B-B14F-4D97-AF65-F5344CB8AC3E}">
-        <p14:creationId xmlns:p14="http://schemas.microsoft.com/office/powerpoint/2010/main" val="320268676"/>
+        <p14:creationId xmlns:p14="http://schemas.microsoft.com/office/powerpoint/2010/main" val="2794941942"/>
       </p:ext>
     </p:extLst>
   </p:cSld>
@@ -9050,7 +9116,7 @@
         </p:blipFill>
         <p:spPr>
           <a:xfrm>
-            <a:off x="801833" y="2148266"/>
+            <a:off x="680321" y="2148266"/>
             <a:ext cx="3552453" cy="2664340"/>
           </a:xfrm>
           <a:prstGeom prst="rect">
@@ -9066,7 +9132,7 @@
         </p:nvSpPr>
         <p:spPr>
           <a:xfrm>
-            <a:off x="0" y="5016954"/>
+            <a:off x="-97722" y="5382092"/>
             <a:ext cx="4812631" cy="1015663"/>
           </a:xfrm>
           <a:prstGeom prst="rect">
@@ -9111,7 +9177,7 @@
         </p:blipFill>
         <p:spPr>
           <a:xfrm>
-            <a:off x="6481612" y="2148266"/>
+            <a:off x="4705485" y="2148266"/>
             <a:ext cx="2788920" cy="3039751"/>
           </a:xfrm>
           <a:prstGeom prst="rect">
@@ -9127,7 +9193,7 @@
         </p:nvSpPr>
         <p:spPr>
           <a:xfrm>
-            <a:off x="5469756" y="5445125"/>
+            <a:off x="3693629" y="5382092"/>
             <a:ext cx="4812631" cy="1015663"/>
           </a:xfrm>
           <a:prstGeom prst="rect">
@@ -9152,6 +9218,67 @@
             <a:r>
               <a:rPr lang="en-US" sz="3000" dirty="0"/>
               <a:t>494</a:t>
+            </a:r>
+          </a:p>
+        </p:txBody>
+      </p:sp>
+      <p:pic>
+        <p:nvPicPr>
+          <p:cNvPr id="7" name="Picture 6"/>
+          <p:cNvPicPr>
+            <a:picLocks noChangeAspect="1"/>
+          </p:cNvPicPr>
+          <p:nvPr/>
+        </p:nvPicPr>
+        <p:blipFill>
+          <a:blip r:embed="rId4"/>
+          <a:stretch>
+            <a:fillRect/>
+          </a:stretch>
+        </p:blipFill>
+        <p:spPr>
+          <a:xfrm>
+            <a:off x="7967116" y="2199174"/>
+            <a:ext cx="3757212" cy="2817909"/>
+          </a:xfrm>
+          <a:prstGeom prst="rect">
+            <a:avLst/>
+          </a:prstGeom>
+        </p:spPr>
+      </p:pic>
+      <p:sp>
+        <p:nvSpPr>
+          <p:cNvPr id="8" name="TextBox 7"/>
+          <p:cNvSpPr txBox="1"/>
+          <p:nvPr/>
+        </p:nvSpPr>
+        <p:spPr>
+          <a:xfrm>
+            <a:off x="7280264" y="5382092"/>
+            <a:ext cx="4812631" cy="1015663"/>
+          </a:xfrm>
+          <a:prstGeom prst="rect">
+            <a:avLst/>
+          </a:prstGeom>
+          <a:noFill/>
+        </p:spPr>
+        <p:txBody>
+          <a:bodyPr wrap="square" rtlCol="0">
+            <a:spAutoFit/>
+          </a:bodyPr>
+          <a:lstStyle/>
+          <a:p>
+            <a:pPr algn="ctr"/>
+            <a:r>
+              <a:rPr lang="en-US" sz="3000" dirty="0"/>
+              <a:t>Number of Heads:</a:t>
+            </a:r>
+          </a:p>
+          <a:p>
+            <a:pPr algn="ctr"/>
+            <a:r>
+              <a:rPr lang="en-US" sz="3000" dirty="0"/>
+              <a:t>455</a:t>
             </a:r>
           </a:p>
         </p:txBody>

--- a/Cisc642_Adaboost.pptx
+++ b/Cisc642_Adaboost.pptx
@@ -8057,7 +8057,7 @@
             <a:pPr algn="ctr"/>
             <a:r>
               <a:rPr lang="en-US" sz="3000" dirty="0"/>
-              <a:t>494</a:t>
+              <a:t>8</a:t>
             </a:r>
           </a:p>
         </p:txBody>
